--- a/Programs/Trainings/01-FE/BasicJS/KNITS-Javascript.pptx
+++ b/Programs/Trainings/01-FE/BasicJS/KNITS-Javascript.pptx
@@ -18,7 +18,7 @@
     <p:sldId id="292" r:id="rId9"/>
     <p:sldId id="293" r:id="rId10"/>
     <p:sldId id="265" r:id="rId11"/>
-    <p:sldId id="263" r:id="rId12"/>
+    <p:sldId id="294" r:id="rId12"/>
     <p:sldId id="264" r:id="rId13"/>
     <p:sldId id="266" r:id="rId14"/>
     <p:sldId id="267" r:id="rId15"/>
@@ -1241,7 +1241,7 @@
       </p:grpSpPr>
       <p:sp>
         <p:nvSpPr>
-          <p:cNvPr id="39938" name="Rectangle 3"/>
+          <p:cNvPr id="33794" name="Rectangle 3"/>
           <p:cNvSpPr>
             <a:spLocks noGrp="1" noChangeArrowheads="1"/>
           </p:cNvSpPr>
@@ -1370,7 +1370,7 @@
       </p:sp>
       <p:sp>
         <p:nvSpPr>
-          <p:cNvPr id="39939" name="Rectangle 7"/>
+          <p:cNvPr id="33795" name="Rectangle 7"/>
           <p:cNvSpPr>
             <a:spLocks noGrp="1" noChangeArrowheads="1"/>
           </p:cNvSpPr>
@@ -1490,7 +1490,7 @@
           </a:lstStyle>
           <a:p>
             <a:pPr eaLnBrk="1" hangingPunct="1"/>
-            <a:fld id="{6B3DE243-5A18-4A48-835B-D525184A9A6E}" type="slidenum">
+            <a:fld id="{75BAE48C-C928-4E0A-99FB-626487598D04}" type="slidenum">
               <a:rPr lang="it-IT" altLang="en-US" sz="1200" smtClean="0"/>
               <a:pPr eaLnBrk="1" hangingPunct="1"/>
               <a:t>11</a:t>
@@ -1501,7 +1501,7 @@
       </p:sp>
       <p:sp>
         <p:nvSpPr>
-          <p:cNvPr id="39940" name="Rectangle 2"/>
+          <p:cNvPr id="33796" name="Rectangle 2"/>
           <p:cNvSpPr>
             <a:spLocks noGrp="1" noRot="1" noChangeAspect="1" noChangeArrowheads="1" noTextEdit="1"/>
           </p:cNvSpPr>
@@ -1519,7 +1519,7 @@
       </p:sp>
       <p:sp>
         <p:nvSpPr>
-          <p:cNvPr id="39941" name="Rectangle 3"/>
+          <p:cNvPr id="33797" name="Rectangle 3"/>
           <p:cNvSpPr>
             <a:spLocks noGrp="1" noChangeArrowheads="1"/>
           </p:cNvSpPr>
@@ -14168,250 +14168,7 @@
       </p:grpSpPr>
       <p:sp>
         <p:nvSpPr>
-          <p:cNvPr id="10242" name="Slide Number Placeholder 3"/>
-          <p:cNvSpPr>
-            <a:spLocks noGrp="1"/>
-          </p:cNvSpPr>
-          <p:nvPr>
-            <p:ph type="sldNum" sz="quarter" idx="10"/>
-          </p:nvPr>
-        </p:nvSpPr>
-        <p:spPr>
-          <a:noFill/>
-        </p:spPr>
-        <p:txBody>
-          <a:bodyPr/>
-          <a:lstStyle>
-            <a:lvl1pPr eaLnBrk="0" hangingPunct="0">
-              <a:defRPr sz="2000">
-                <a:solidFill>
-                  <a:schemeClr val="tx1"/>
-                </a:solidFill>
-                <a:latin typeface="Arial" pitchFamily="34" charset="0"/>
-              </a:defRPr>
-            </a:lvl1pPr>
-            <a:lvl2pPr marL="742950" indent="-285750" eaLnBrk="0" hangingPunct="0">
-              <a:defRPr sz="2000">
-                <a:solidFill>
-                  <a:schemeClr val="tx1"/>
-                </a:solidFill>
-                <a:latin typeface="Arial" pitchFamily="34" charset="0"/>
-              </a:defRPr>
-            </a:lvl2pPr>
-            <a:lvl3pPr marL="1143000" indent="-228600" eaLnBrk="0" hangingPunct="0">
-              <a:defRPr sz="2000">
-                <a:solidFill>
-                  <a:schemeClr val="tx1"/>
-                </a:solidFill>
-                <a:latin typeface="Arial" pitchFamily="34" charset="0"/>
-              </a:defRPr>
-            </a:lvl3pPr>
-            <a:lvl4pPr marL="1600200" indent="-228600" eaLnBrk="0" hangingPunct="0">
-              <a:defRPr sz="2000">
-                <a:solidFill>
-                  <a:schemeClr val="tx1"/>
-                </a:solidFill>
-                <a:latin typeface="Arial" pitchFamily="34" charset="0"/>
-              </a:defRPr>
-            </a:lvl4pPr>
-            <a:lvl5pPr marL="2057400" indent="-228600" eaLnBrk="0" hangingPunct="0">
-              <a:defRPr sz="2000">
-                <a:solidFill>
-                  <a:schemeClr val="tx1"/>
-                </a:solidFill>
-                <a:latin typeface="Arial" pitchFamily="34" charset="0"/>
-              </a:defRPr>
-            </a:lvl5pPr>
-            <a:lvl6pPr marL="2514600" indent="-228600" eaLnBrk="0" fontAlgn="base" hangingPunct="0">
-              <a:spcBef>
-                <a:spcPct val="0"/>
-              </a:spcBef>
-              <a:spcAft>
-                <a:spcPct val="0"/>
-              </a:spcAft>
-              <a:defRPr sz="2000">
-                <a:solidFill>
-                  <a:schemeClr val="tx1"/>
-                </a:solidFill>
-                <a:latin typeface="Arial" pitchFamily="34" charset="0"/>
-              </a:defRPr>
-            </a:lvl6pPr>
-            <a:lvl7pPr marL="2971800" indent="-228600" eaLnBrk="0" fontAlgn="base" hangingPunct="0">
-              <a:spcBef>
-                <a:spcPct val="0"/>
-              </a:spcBef>
-              <a:spcAft>
-                <a:spcPct val="0"/>
-              </a:spcAft>
-              <a:defRPr sz="2000">
-                <a:solidFill>
-                  <a:schemeClr val="tx1"/>
-                </a:solidFill>
-                <a:latin typeface="Arial" pitchFamily="34" charset="0"/>
-              </a:defRPr>
-            </a:lvl7pPr>
-            <a:lvl8pPr marL="3429000" indent="-228600" eaLnBrk="0" fontAlgn="base" hangingPunct="0">
-              <a:spcBef>
-                <a:spcPct val="0"/>
-              </a:spcBef>
-              <a:spcAft>
-                <a:spcPct val="0"/>
-              </a:spcAft>
-              <a:defRPr sz="2000">
-                <a:solidFill>
-                  <a:schemeClr val="tx1"/>
-                </a:solidFill>
-                <a:latin typeface="Arial" pitchFamily="34" charset="0"/>
-              </a:defRPr>
-            </a:lvl8pPr>
-            <a:lvl9pPr marL="3886200" indent="-228600" eaLnBrk="0" fontAlgn="base" hangingPunct="0">
-              <a:spcBef>
-                <a:spcPct val="0"/>
-              </a:spcBef>
-              <a:spcAft>
-                <a:spcPct val="0"/>
-              </a:spcAft>
-              <a:defRPr sz="2000">
-                <a:solidFill>
-                  <a:schemeClr val="tx1"/>
-                </a:solidFill>
-                <a:latin typeface="Arial" pitchFamily="34" charset="0"/>
-              </a:defRPr>
-            </a:lvl9pPr>
-          </a:lstStyle>
-          <a:p>
-            <a:pPr eaLnBrk="1" hangingPunct="1"/>
-            <a:fld id="{2822AFA6-DCA1-464B-BCAF-88E1ABE381AF}" type="slidenum">
-              <a:rPr lang="it-IT" altLang="en-US" sz="1400" smtClean="0"/>
-              <a:pPr eaLnBrk="1" hangingPunct="1"/>
-              <a:t>11</a:t>
-            </a:fld>
-            <a:endParaRPr lang="it-IT" altLang="en-US" sz="1400" smtClean="0"/>
-          </a:p>
-        </p:txBody>
-      </p:sp>
-      <p:sp>
-        <p:nvSpPr>
-          <p:cNvPr id="10244" name="Rectangle 3"/>
-          <p:cNvSpPr>
-            <a:spLocks noGrp="1" noChangeAspect="1" noChangeArrowheads="1"/>
-          </p:cNvSpPr>
-          <p:nvPr>
-            <p:ph type="body" idx="1"/>
-          </p:nvPr>
-        </p:nvSpPr>
-        <p:spPr>
-          <a:xfrm>
-            <a:off x="241300" y="839391"/>
-            <a:ext cx="8642350" cy="3825478"/>
-          </a:xfrm>
-        </p:spPr>
-        <p:txBody>
-          <a:bodyPr/>
-          <a:lstStyle/>
-          <a:p>
-            <a:pPr lvl="1" eaLnBrk="1" hangingPunct="1">
-              <a:buFont typeface="Wingdings" pitchFamily="2" charset="2"/>
-              <a:buChar char="§"/>
-            </a:pPr>
-            <a:r>
-              <a:rPr lang="et-EE" altLang="en-US" sz="1800" dirty="0" smtClean="0"/>
-              <a:t>Dati gestiti e caricati dal server</a:t>
-            </a:r>
-          </a:p>
-          <a:p>
-            <a:pPr lvl="1" eaLnBrk="1" hangingPunct="1">
-              <a:buFont typeface="Wingdings" pitchFamily="2" charset="2"/>
-              <a:buChar char="§"/>
-            </a:pPr>
-            <a:r>
-              <a:rPr lang="et-EE" altLang="en-US" sz="1800" dirty="0" smtClean="0"/>
-              <a:t>Ogni aggiornamento della UI comporta </a:t>
-            </a:r>
-          </a:p>
-          <a:p>
-            <a:pPr lvl="2" eaLnBrk="1" hangingPunct="1"/>
-            <a:r>
-              <a:rPr lang="et-EE" altLang="en-US" sz="1600" dirty="0" smtClean="0"/>
-              <a:t>ricaricamento dell intera pagina, </a:t>
-            </a:r>
-          </a:p>
-          <a:p>
-            <a:pPr lvl="2" eaLnBrk="1" hangingPunct="1"/>
-            <a:r>
-              <a:rPr lang="et-EE" altLang="en-US" sz="1600" dirty="0" smtClean="0"/>
-              <a:t>Nessuna azione dell’utente sulla UI durante attesa</a:t>
-            </a:r>
-            <a:endParaRPr lang="et-EE" altLang="en-US" sz="1200" dirty="0" smtClean="0"/>
-          </a:p>
-          <a:p>
-            <a:pPr lvl="1" eaLnBrk="1" hangingPunct="1">
-              <a:buFont typeface="Wingdings" pitchFamily="2" charset="2"/>
-              <a:buChar char="§"/>
-            </a:pPr>
-            <a:r>
-              <a:rPr lang="et-EE" altLang="en-US" sz="1800" dirty="0" smtClean="0"/>
-              <a:t>Codice JS incorporato nella pagina puo’:</a:t>
-            </a:r>
-          </a:p>
-          <a:p>
-            <a:pPr lvl="2" eaLnBrk="1" hangingPunct="1"/>
-            <a:r>
-              <a:rPr lang="et-EE" altLang="en-US" sz="1600" dirty="0" smtClean="0"/>
-              <a:t>Agire solo sui dati gia presenti nella UI</a:t>
-            </a:r>
-          </a:p>
-          <a:p>
-            <a:pPr lvl="2" eaLnBrk="1" hangingPunct="1"/>
-            <a:r>
-              <a:rPr lang="et-EE" altLang="en-US" sz="1600" dirty="0" smtClean="0"/>
-              <a:t>Eseguire validazioni dati immessi da utente</a:t>
-            </a:r>
-          </a:p>
-          <a:p>
-            <a:pPr lvl="2" eaLnBrk="1" hangingPunct="1"/>
-            <a:r>
-              <a:rPr lang="et-EE" altLang="en-US" sz="1600" dirty="0" smtClean="0"/>
-              <a:t>Copiare dati tra campi UI</a:t>
-            </a:r>
-          </a:p>
-          <a:p>
-            <a:pPr lvl="2" eaLnBrk="1" hangingPunct="1"/>
-            <a:r>
-              <a:rPr lang="et-EE" altLang="en-US" sz="1600" dirty="0" smtClean="0"/>
-              <a:t>Eseguire effetti DHML (rollout immagini, ordinamento colonne tabella)</a:t>
-            </a:r>
-          </a:p>
-          <a:p>
-            <a:pPr lvl="2" eaLnBrk="1" hangingPunct="1"/>
-            <a:endParaRPr lang="et-EE" altLang="en-US" sz="1600" dirty="0" smtClean="0"/>
-          </a:p>
-          <a:p>
-            <a:pPr lvl="1" eaLnBrk="1" hangingPunct="1">
-              <a:buFont typeface="Wingdings" pitchFamily="2" charset="2"/>
-              <a:buChar char="§"/>
-            </a:pPr>
-            <a:endParaRPr lang="et-EE" altLang="en-US" sz="1800" dirty="0" smtClean="0"/>
-          </a:p>
-          <a:p>
-            <a:pPr lvl="1" eaLnBrk="1" hangingPunct="1">
-              <a:buFont typeface="Wingdings" pitchFamily="2" charset="2"/>
-              <a:buChar char="§"/>
-            </a:pPr>
-            <a:endParaRPr lang="et-EE" altLang="en-US" sz="1800" dirty="0" smtClean="0"/>
-          </a:p>
-          <a:p>
-            <a:pPr lvl="1" eaLnBrk="1" hangingPunct="1">
-              <a:buFont typeface="Wingdings" pitchFamily="2" charset="2"/>
-              <a:buChar char="§"/>
-            </a:pPr>
-            <a:endParaRPr lang="it-IT" altLang="en-US" sz="1800" dirty="0" smtClean="0"/>
-          </a:p>
-        </p:txBody>
-      </p:sp>
-      <p:sp>
-        <p:nvSpPr>
-          <p:cNvPr id="10245" name="Rectangle 4"/>
+          <p:cNvPr id="4101" name="Rectangle 4"/>
           <p:cNvSpPr>
             <a:spLocks noChangeArrowheads="1"/>
           </p:cNvSpPr>
@@ -14469,10 +14226,780 @@
           </a:p>
         </p:txBody>
       </p:sp>
+      <p:sp>
+        <p:nvSpPr>
+          <p:cNvPr id="7" name="Google Shape;1014;p22"/>
+          <p:cNvSpPr txBox="1">
+            <a:spLocks/>
+          </p:cNvSpPr>
+          <p:nvPr/>
+        </p:nvSpPr>
+        <p:spPr>
+          <a:xfrm>
+            <a:off x="381000" y="195486"/>
+            <a:ext cx="5199112" cy="894606"/>
+          </a:xfrm>
+          <a:prstGeom prst="rect">
+            <a:avLst/>
+          </a:prstGeom>
+          <a:noFill/>
+          <a:ln>
+            <a:noFill/>
+          </a:ln>
+        </p:spPr>
+        <p:txBody>
+          <a:bodyPr spcFirstLastPara="1" wrap="square" lIns="0" tIns="0" rIns="0" bIns="0" anchor="t" anchorCtr="0">
+            <a:noAutofit/>
+          </a:bodyPr>
+          <a:lstStyle>
+            <a:defPPr marR="0" lvl="0" algn="l" rtl="0">
+              <a:lnSpc>
+                <a:spcPct val="100000"/>
+              </a:lnSpc>
+              <a:spcBef>
+                <a:spcPts val="0"/>
+              </a:spcBef>
+              <a:spcAft>
+                <a:spcPts val="0"/>
+              </a:spcAft>
+            </a:defPPr>
+            <a:lvl1pPr marR="0" lvl="0" algn="l" rtl="0">
+              <a:lnSpc>
+                <a:spcPct val="80000"/>
+              </a:lnSpc>
+              <a:spcBef>
+                <a:spcPts val="0"/>
+              </a:spcBef>
+              <a:spcAft>
+                <a:spcPts val="0"/>
+              </a:spcAft>
+              <a:buClr>
+                <a:schemeClr val="accent2"/>
+              </a:buClr>
+              <a:buSzPts val="4800"/>
+              <a:buFont typeface="Raleway SemiBold"/>
+              <a:buNone/>
+              <a:defRPr sz="4800" b="0" i="0" u="none" strike="noStrike" cap="none">
+                <a:solidFill>
+                  <a:schemeClr val="accent2"/>
+                </a:solidFill>
+                <a:latin typeface="Raleway SemiBold"/>
+                <a:ea typeface="Raleway SemiBold"/>
+                <a:cs typeface="Raleway SemiBold"/>
+                <a:sym typeface="Raleway SemiBold"/>
+              </a:defRPr>
+            </a:lvl1pPr>
+            <a:lvl2pPr marR="0" lvl="1" algn="l" rtl="0">
+              <a:lnSpc>
+                <a:spcPct val="80000"/>
+              </a:lnSpc>
+              <a:spcBef>
+                <a:spcPts val="0"/>
+              </a:spcBef>
+              <a:spcAft>
+                <a:spcPts val="0"/>
+              </a:spcAft>
+              <a:buClr>
+                <a:schemeClr val="accent2"/>
+              </a:buClr>
+              <a:buSzPts val="4800"/>
+              <a:buFont typeface="Raleway SemiBold"/>
+              <a:buNone/>
+              <a:defRPr sz="4800" b="0" i="0" u="none" strike="noStrike" cap="none">
+                <a:solidFill>
+                  <a:schemeClr val="accent2"/>
+                </a:solidFill>
+                <a:latin typeface="Raleway SemiBold"/>
+                <a:ea typeface="Raleway SemiBold"/>
+                <a:cs typeface="Raleway SemiBold"/>
+                <a:sym typeface="Raleway SemiBold"/>
+              </a:defRPr>
+            </a:lvl2pPr>
+            <a:lvl3pPr marR="0" lvl="2" algn="l" rtl="0">
+              <a:lnSpc>
+                <a:spcPct val="80000"/>
+              </a:lnSpc>
+              <a:spcBef>
+                <a:spcPts val="0"/>
+              </a:spcBef>
+              <a:spcAft>
+                <a:spcPts val="0"/>
+              </a:spcAft>
+              <a:buClr>
+                <a:schemeClr val="accent2"/>
+              </a:buClr>
+              <a:buSzPts val="4800"/>
+              <a:buFont typeface="Raleway SemiBold"/>
+              <a:buNone/>
+              <a:defRPr sz="4800" b="0" i="0" u="none" strike="noStrike" cap="none">
+                <a:solidFill>
+                  <a:schemeClr val="accent2"/>
+                </a:solidFill>
+                <a:latin typeface="Raleway SemiBold"/>
+                <a:ea typeface="Raleway SemiBold"/>
+                <a:cs typeface="Raleway SemiBold"/>
+                <a:sym typeface="Raleway SemiBold"/>
+              </a:defRPr>
+            </a:lvl3pPr>
+            <a:lvl4pPr marR="0" lvl="3" algn="l" rtl="0">
+              <a:lnSpc>
+                <a:spcPct val="80000"/>
+              </a:lnSpc>
+              <a:spcBef>
+                <a:spcPts val="0"/>
+              </a:spcBef>
+              <a:spcAft>
+                <a:spcPts val="0"/>
+              </a:spcAft>
+              <a:buClr>
+                <a:schemeClr val="accent2"/>
+              </a:buClr>
+              <a:buSzPts val="4800"/>
+              <a:buFont typeface="Raleway SemiBold"/>
+              <a:buNone/>
+              <a:defRPr sz="4800" b="0" i="0" u="none" strike="noStrike" cap="none">
+                <a:solidFill>
+                  <a:schemeClr val="accent2"/>
+                </a:solidFill>
+                <a:latin typeface="Raleway SemiBold"/>
+                <a:ea typeface="Raleway SemiBold"/>
+                <a:cs typeface="Raleway SemiBold"/>
+                <a:sym typeface="Raleway SemiBold"/>
+              </a:defRPr>
+            </a:lvl4pPr>
+            <a:lvl5pPr marR="0" lvl="4" algn="l" rtl="0">
+              <a:lnSpc>
+                <a:spcPct val="80000"/>
+              </a:lnSpc>
+              <a:spcBef>
+                <a:spcPts val="0"/>
+              </a:spcBef>
+              <a:spcAft>
+                <a:spcPts val="0"/>
+              </a:spcAft>
+              <a:buClr>
+                <a:schemeClr val="accent2"/>
+              </a:buClr>
+              <a:buSzPts val="4800"/>
+              <a:buFont typeface="Raleway SemiBold"/>
+              <a:buNone/>
+              <a:defRPr sz="4800" b="0" i="0" u="none" strike="noStrike" cap="none">
+                <a:solidFill>
+                  <a:schemeClr val="accent2"/>
+                </a:solidFill>
+                <a:latin typeface="Raleway SemiBold"/>
+                <a:ea typeface="Raleway SemiBold"/>
+                <a:cs typeface="Raleway SemiBold"/>
+                <a:sym typeface="Raleway SemiBold"/>
+              </a:defRPr>
+            </a:lvl5pPr>
+            <a:lvl6pPr marR="0" lvl="5" algn="l" rtl="0">
+              <a:lnSpc>
+                <a:spcPct val="80000"/>
+              </a:lnSpc>
+              <a:spcBef>
+                <a:spcPts val="0"/>
+              </a:spcBef>
+              <a:spcAft>
+                <a:spcPts val="0"/>
+              </a:spcAft>
+              <a:buClr>
+                <a:schemeClr val="accent2"/>
+              </a:buClr>
+              <a:buSzPts val="4800"/>
+              <a:buFont typeface="Raleway SemiBold"/>
+              <a:buNone/>
+              <a:defRPr sz="4800" b="0" i="0" u="none" strike="noStrike" cap="none">
+                <a:solidFill>
+                  <a:schemeClr val="accent2"/>
+                </a:solidFill>
+                <a:latin typeface="Raleway SemiBold"/>
+                <a:ea typeface="Raleway SemiBold"/>
+                <a:cs typeface="Raleway SemiBold"/>
+                <a:sym typeface="Raleway SemiBold"/>
+              </a:defRPr>
+            </a:lvl6pPr>
+            <a:lvl7pPr marR="0" lvl="6" algn="l" rtl="0">
+              <a:lnSpc>
+                <a:spcPct val="80000"/>
+              </a:lnSpc>
+              <a:spcBef>
+                <a:spcPts val="0"/>
+              </a:spcBef>
+              <a:spcAft>
+                <a:spcPts val="0"/>
+              </a:spcAft>
+              <a:buClr>
+                <a:schemeClr val="accent2"/>
+              </a:buClr>
+              <a:buSzPts val="4800"/>
+              <a:buFont typeface="Raleway SemiBold"/>
+              <a:buNone/>
+              <a:defRPr sz="4800" b="0" i="0" u="none" strike="noStrike" cap="none">
+                <a:solidFill>
+                  <a:schemeClr val="accent2"/>
+                </a:solidFill>
+                <a:latin typeface="Raleway SemiBold"/>
+                <a:ea typeface="Raleway SemiBold"/>
+                <a:cs typeface="Raleway SemiBold"/>
+                <a:sym typeface="Raleway SemiBold"/>
+              </a:defRPr>
+            </a:lvl7pPr>
+            <a:lvl8pPr marR="0" lvl="7" algn="l" rtl="0">
+              <a:lnSpc>
+                <a:spcPct val="80000"/>
+              </a:lnSpc>
+              <a:spcBef>
+                <a:spcPts val="0"/>
+              </a:spcBef>
+              <a:spcAft>
+                <a:spcPts val="0"/>
+              </a:spcAft>
+              <a:buClr>
+                <a:schemeClr val="accent2"/>
+              </a:buClr>
+              <a:buSzPts val="4800"/>
+              <a:buFont typeface="Raleway SemiBold"/>
+              <a:buNone/>
+              <a:defRPr sz="4800" b="0" i="0" u="none" strike="noStrike" cap="none">
+                <a:solidFill>
+                  <a:schemeClr val="accent2"/>
+                </a:solidFill>
+                <a:latin typeface="Raleway SemiBold"/>
+                <a:ea typeface="Raleway SemiBold"/>
+                <a:cs typeface="Raleway SemiBold"/>
+                <a:sym typeface="Raleway SemiBold"/>
+              </a:defRPr>
+            </a:lvl8pPr>
+            <a:lvl9pPr marR="0" lvl="8" algn="l" rtl="0">
+              <a:lnSpc>
+                <a:spcPct val="80000"/>
+              </a:lnSpc>
+              <a:spcBef>
+                <a:spcPts val="0"/>
+              </a:spcBef>
+              <a:spcAft>
+                <a:spcPts val="0"/>
+              </a:spcAft>
+              <a:buClr>
+                <a:schemeClr val="accent2"/>
+              </a:buClr>
+              <a:buSzPts val="4800"/>
+              <a:buFont typeface="Raleway SemiBold"/>
+              <a:buNone/>
+              <a:defRPr sz="4800" b="0" i="0" u="none" strike="noStrike" cap="none">
+                <a:solidFill>
+                  <a:schemeClr val="accent2"/>
+                </a:solidFill>
+                <a:latin typeface="Raleway SemiBold"/>
+                <a:ea typeface="Raleway SemiBold"/>
+                <a:cs typeface="Raleway SemiBold"/>
+                <a:sym typeface="Raleway SemiBold"/>
+              </a:defRPr>
+            </a:lvl9pPr>
+          </a:lstStyle>
+          <a:p>
+            <a:pPr>
+              <a:lnSpc>
+                <a:spcPct val="115000"/>
+              </a:lnSpc>
+            </a:pPr>
+            <a:r>
+              <a:rPr lang="en-US" sz="2400" dirty="0" smtClean="0">
+                <a:solidFill>
+                  <a:schemeClr val="lt1"/>
+                </a:solidFill>
+                <a:highlight>
+                  <a:schemeClr val="accent1"/>
+                </a:highlight>
+              </a:rPr>
+              <a:t>Introduction</a:t>
+            </a:r>
+          </a:p>
+          <a:p>
+            <a:pPr>
+              <a:lnSpc>
+                <a:spcPct val="115000"/>
+              </a:lnSpc>
+            </a:pPr>
+            <a:r>
+              <a:rPr lang="en-US" sz="2400" dirty="0" smtClean="0">
+                <a:solidFill>
+                  <a:schemeClr val="lt1"/>
+                </a:solidFill>
+                <a:highlight>
+                  <a:schemeClr val="accent2"/>
+                </a:highlight>
+              </a:rPr>
+              <a:t>Web </a:t>
+            </a:r>
+            <a:r>
+              <a:rPr lang="en-US" sz="2400" dirty="0" smtClean="0">
+                <a:solidFill>
+                  <a:schemeClr val="lt1"/>
+                </a:solidFill>
+                <a:highlight>
+                  <a:schemeClr val="accent2"/>
+                </a:highlight>
+              </a:rPr>
+              <a:t>Application: Ajax</a:t>
+            </a:r>
+            <a:endParaRPr lang="en-US" sz="2400" dirty="0">
+              <a:solidFill>
+                <a:schemeClr val="lt1"/>
+              </a:solidFill>
+              <a:highlight>
+                <a:schemeClr val="accent2"/>
+              </a:highlight>
+            </a:endParaRPr>
+          </a:p>
+        </p:txBody>
+      </p:sp>
+      <p:sp>
+        <p:nvSpPr>
+          <p:cNvPr id="11" name="Rectangle 3"/>
+          <p:cNvSpPr txBox="1">
+            <a:spLocks noChangeAspect="1" noChangeArrowheads="1"/>
+          </p:cNvSpPr>
+          <p:nvPr/>
+        </p:nvSpPr>
+        <p:spPr>
+          <a:xfrm>
+            <a:off x="381000" y="1224572"/>
+            <a:ext cx="8079432" cy="3825478"/>
+          </a:xfrm>
+          <a:prstGeom prst="rect">
+            <a:avLst/>
+          </a:prstGeom>
+          <a:noFill/>
+          <a:ln>
+            <a:noFill/>
+          </a:ln>
+        </p:spPr>
+        <p:txBody>
+          <a:bodyPr spcFirstLastPara="1" wrap="square" lIns="0" tIns="0" rIns="0" bIns="0" anchor="t" anchorCtr="0">
+            <a:noAutofit/>
+          </a:bodyPr>
+          <a:lstStyle>
+            <a:defPPr marR="0" lvl="0" algn="l" rtl="0">
+              <a:lnSpc>
+                <a:spcPct val="100000"/>
+              </a:lnSpc>
+              <a:spcBef>
+                <a:spcPts val="0"/>
+              </a:spcBef>
+              <a:spcAft>
+                <a:spcPts val="0"/>
+              </a:spcAft>
+            </a:defPPr>
+            <a:lvl1pPr marL="457200" marR="0" lvl="0" indent="-342900" algn="l" rtl="0">
+              <a:lnSpc>
+                <a:spcPct val="110000"/>
+              </a:lnSpc>
+              <a:spcBef>
+                <a:spcPts val="600"/>
+              </a:spcBef>
+              <a:spcAft>
+                <a:spcPts val="0"/>
+              </a:spcAft>
+              <a:buClr>
+                <a:schemeClr val="accent1"/>
+              </a:buClr>
+              <a:buSzPts val="1800"/>
+              <a:buFont typeface="Barlow Light"/>
+              <a:buChar char="▸"/>
+              <a:defRPr sz="2000" b="0" i="0" u="none" strike="noStrike" cap="none">
+                <a:solidFill>
+                  <a:schemeClr val="dk1"/>
+                </a:solidFill>
+                <a:latin typeface="Barlow Light"/>
+                <a:ea typeface="Barlow Light"/>
+                <a:cs typeface="Barlow Light"/>
+                <a:sym typeface="Barlow Light"/>
+              </a:defRPr>
+            </a:lvl1pPr>
+            <a:lvl2pPr marL="914400" marR="0" lvl="1" indent="-342900" algn="l" rtl="0">
+              <a:lnSpc>
+                <a:spcPct val="110000"/>
+              </a:lnSpc>
+              <a:spcBef>
+                <a:spcPts val="600"/>
+              </a:spcBef>
+              <a:spcAft>
+                <a:spcPts val="0"/>
+              </a:spcAft>
+              <a:buClr>
+                <a:schemeClr val="accent1"/>
+              </a:buClr>
+              <a:buSzPts val="1800"/>
+              <a:buFont typeface="Barlow Light"/>
+              <a:buChar char="▹"/>
+              <a:defRPr sz="2000" b="0" i="0" u="none" strike="noStrike" cap="none">
+                <a:solidFill>
+                  <a:schemeClr val="dk1"/>
+                </a:solidFill>
+                <a:latin typeface="Barlow Light"/>
+                <a:ea typeface="Barlow Light"/>
+                <a:cs typeface="Barlow Light"/>
+                <a:sym typeface="Barlow Light"/>
+              </a:defRPr>
+            </a:lvl2pPr>
+            <a:lvl3pPr marL="1371600" marR="0" lvl="2" indent="-342900" algn="l" rtl="0">
+              <a:lnSpc>
+                <a:spcPct val="110000"/>
+              </a:lnSpc>
+              <a:spcBef>
+                <a:spcPts val="600"/>
+              </a:spcBef>
+              <a:spcAft>
+                <a:spcPts val="0"/>
+              </a:spcAft>
+              <a:buClr>
+                <a:schemeClr val="accent1"/>
+              </a:buClr>
+              <a:buSzPts val="1800"/>
+              <a:buFont typeface="Barlow Light"/>
+              <a:buChar char="▹"/>
+              <a:defRPr sz="2000" b="0" i="0" u="none" strike="noStrike" cap="none">
+                <a:solidFill>
+                  <a:schemeClr val="dk1"/>
+                </a:solidFill>
+                <a:latin typeface="Barlow Light"/>
+                <a:ea typeface="Barlow Light"/>
+                <a:cs typeface="Barlow Light"/>
+                <a:sym typeface="Barlow Light"/>
+              </a:defRPr>
+            </a:lvl3pPr>
+            <a:lvl4pPr marL="1828800" marR="0" lvl="3" indent="-355600" algn="l" rtl="0">
+              <a:lnSpc>
+                <a:spcPct val="110000"/>
+              </a:lnSpc>
+              <a:spcBef>
+                <a:spcPts val="600"/>
+              </a:spcBef>
+              <a:spcAft>
+                <a:spcPts val="0"/>
+              </a:spcAft>
+              <a:buClr>
+                <a:schemeClr val="dk1"/>
+              </a:buClr>
+              <a:buSzPts val="2000"/>
+              <a:buFont typeface="Barlow Light"/>
+              <a:buChar char="▹"/>
+              <a:defRPr sz="2000" b="0" i="0" u="none" strike="noStrike" cap="none">
+                <a:solidFill>
+                  <a:schemeClr val="dk1"/>
+                </a:solidFill>
+                <a:latin typeface="Barlow Light"/>
+                <a:ea typeface="Barlow Light"/>
+                <a:cs typeface="Barlow Light"/>
+                <a:sym typeface="Barlow Light"/>
+              </a:defRPr>
+            </a:lvl4pPr>
+            <a:lvl5pPr marL="2286000" marR="0" lvl="4" indent="-355600" algn="l" rtl="0">
+              <a:lnSpc>
+                <a:spcPct val="110000"/>
+              </a:lnSpc>
+              <a:spcBef>
+                <a:spcPts val="600"/>
+              </a:spcBef>
+              <a:spcAft>
+                <a:spcPts val="0"/>
+              </a:spcAft>
+              <a:buClr>
+                <a:schemeClr val="dk1"/>
+              </a:buClr>
+              <a:buSzPts val="2000"/>
+              <a:buFont typeface="Barlow Light"/>
+              <a:buChar char="▹"/>
+              <a:defRPr sz="2000" b="0" i="0" u="none" strike="noStrike" cap="none">
+                <a:solidFill>
+                  <a:schemeClr val="dk1"/>
+                </a:solidFill>
+                <a:latin typeface="Barlow Light"/>
+                <a:ea typeface="Barlow Light"/>
+                <a:cs typeface="Barlow Light"/>
+                <a:sym typeface="Barlow Light"/>
+              </a:defRPr>
+            </a:lvl5pPr>
+            <a:lvl6pPr marL="2743200" marR="0" lvl="5" indent="-355600" algn="l" rtl="0">
+              <a:lnSpc>
+                <a:spcPct val="110000"/>
+              </a:lnSpc>
+              <a:spcBef>
+                <a:spcPts val="600"/>
+              </a:spcBef>
+              <a:spcAft>
+                <a:spcPts val="0"/>
+              </a:spcAft>
+              <a:buClr>
+                <a:schemeClr val="dk1"/>
+              </a:buClr>
+              <a:buSzPts val="2000"/>
+              <a:buFont typeface="Barlow Light"/>
+              <a:buChar char="▹"/>
+              <a:defRPr sz="2000" b="0" i="0" u="none" strike="noStrike" cap="none">
+                <a:solidFill>
+                  <a:schemeClr val="dk1"/>
+                </a:solidFill>
+                <a:latin typeface="Barlow Light"/>
+                <a:ea typeface="Barlow Light"/>
+                <a:cs typeface="Barlow Light"/>
+                <a:sym typeface="Barlow Light"/>
+              </a:defRPr>
+            </a:lvl6pPr>
+            <a:lvl7pPr marL="3200400" marR="0" lvl="6" indent="-355600" algn="l" rtl="0">
+              <a:lnSpc>
+                <a:spcPct val="110000"/>
+              </a:lnSpc>
+              <a:spcBef>
+                <a:spcPts val="600"/>
+              </a:spcBef>
+              <a:spcAft>
+                <a:spcPts val="0"/>
+              </a:spcAft>
+              <a:buClr>
+                <a:schemeClr val="dk1"/>
+              </a:buClr>
+              <a:buSzPts val="2000"/>
+              <a:buFont typeface="Barlow Light"/>
+              <a:buChar char="▹"/>
+              <a:defRPr sz="2000" b="0" i="0" u="none" strike="noStrike" cap="none">
+                <a:solidFill>
+                  <a:schemeClr val="dk1"/>
+                </a:solidFill>
+                <a:latin typeface="Barlow Light"/>
+                <a:ea typeface="Barlow Light"/>
+                <a:cs typeface="Barlow Light"/>
+                <a:sym typeface="Barlow Light"/>
+              </a:defRPr>
+            </a:lvl7pPr>
+            <a:lvl8pPr marL="3657600" marR="0" lvl="7" indent="-355600" algn="l" rtl="0">
+              <a:lnSpc>
+                <a:spcPct val="110000"/>
+              </a:lnSpc>
+              <a:spcBef>
+                <a:spcPts val="600"/>
+              </a:spcBef>
+              <a:spcAft>
+                <a:spcPts val="0"/>
+              </a:spcAft>
+              <a:buClr>
+                <a:schemeClr val="dk1"/>
+              </a:buClr>
+              <a:buSzPts val="2000"/>
+              <a:buFont typeface="Barlow Light"/>
+              <a:buChar char="▹"/>
+              <a:defRPr sz="2000" b="0" i="0" u="none" strike="noStrike" cap="none">
+                <a:solidFill>
+                  <a:schemeClr val="dk1"/>
+                </a:solidFill>
+                <a:latin typeface="Barlow Light"/>
+                <a:ea typeface="Barlow Light"/>
+                <a:cs typeface="Barlow Light"/>
+                <a:sym typeface="Barlow Light"/>
+              </a:defRPr>
+            </a:lvl8pPr>
+            <a:lvl9pPr marL="4114800" marR="0" lvl="8" indent="-355600" algn="l" rtl="0">
+              <a:lnSpc>
+                <a:spcPct val="110000"/>
+              </a:lnSpc>
+              <a:spcBef>
+                <a:spcPts val="600"/>
+              </a:spcBef>
+              <a:spcAft>
+                <a:spcPts val="0"/>
+              </a:spcAft>
+              <a:buClr>
+                <a:schemeClr val="dk1"/>
+              </a:buClr>
+              <a:buSzPts val="2000"/>
+              <a:buFont typeface="Barlow Light"/>
+              <a:buChar char="▹"/>
+              <a:defRPr sz="2000" b="0" i="0" u="none" strike="noStrike" cap="none">
+                <a:solidFill>
+                  <a:schemeClr val="dk1"/>
+                </a:solidFill>
+                <a:latin typeface="Barlow Light"/>
+                <a:ea typeface="Barlow Light"/>
+                <a:cs typeface="Barlow Light"/>
+                <a:sym typeface="Barlow Light"/>
+              </a:defRPr>
+            </a:lvl9pPr>
+          </a:lstStyle>
+          <a:p>
+            <a:pPr marL="114300" indent="0">
+              <a:buNone/>
+            </a:pPr>
+            <a:r>
+              <a:rPr lang="en-US" altLang="en-US" dirty="0" smtClean="0"/>
+              <a:t>In early nineties:</a:t>
+            </a:r>
+            <a:endParaRPr lang="et-EE" altLang="en-US" dirty="0" smtClean="0"/>
+          </a:p>
+          <a:p>
+            <a:pPr lvl="1" eaLnBrk="1" hangingPunct="1">
+              <a:buFont typeface="Wingdings" pitchFamily="2" charset="2"/>
+              <a:buChar char="§"/>
+            </a:pPr>
+            <a:r>
+              <a:rPr lang="en-US" altLang="en-US" sz="1800" dirty="0" smtClean="0"/>
+              <a:t>Every </a:t>
+            </a:r>
+            <a:r>
+              <a:rPr lang="en-US" altLang="en-US" sz="1800" dirty="0"/>
+              <a:t>update in data to display requires generation of a new stream of html + </a:t>
+            </a:r>
+            <a:r>
+              <a:rPr lang="en-US" altLang="en-US" sz="1800" dirty="0" err="1"/>
+              <a:t>css</a:t>
+            </a:r>
+            <a:r>
+              <a:rPr lang="en-US" altLang="en-US" sz="1800" dirty="0"/>
+              <a:t> to be delivered to browsers on client side.</a:t>
+            </a:r>
+          </a:p>
+          <a:p>
+            <a:pPr marL="114300" indent="0">
+              <a:buNone/>
+            </a:pPr>
+            <a:r>
+              <a:rPr lang="en-US" altLang="en-US" dirty="0" smtClean="0"/>
+              <a:t/>
+            </a:r>
+            <a:br>
+              <a:rPr lang="en-US" altLang="en-US" dirty="0" smtClean="0"/>
+            </a:br>
+            <a:r>
+              <a:rPr lang="en-US" altLang="en-US" dirty="0" smtClean="0"/>
+              <a:t>From </a:t>
+            </a:r>
+            <a:r>
+              <a:rPr lang="en-US" dirty="0"/>
+              <a:t>1996 </a:t>
+            </a:r>
+            <a:r>
+              <a:rPr lang="en-US" altLang="en-US" dirty="0" smtClean="0"/>
+              <a:t>:</a:t>
+            </a:r>
+            <a:endParaRPr lang="et-EE" altLang="en-US" dirty="0"/>
+          </a:p>
+          <a:p>
+            <a:pPr lvl="1" eaLnBrk="1" hangingPunct="1">
+              <a:buFont typeface="Wingdings" pitchFamily="2" charset="2"/>
+              <a:buChar char="§"/>
+            </a:pPr>
+            <a:r>
+              <a:rPr lang="en-US" sz="1800" dirty="0"/>
+              <a:t>1996</a:t>
+            </a:r>
+            <a:r>
+              <a:rPr lang="en-US" sz="1800" dirty="0" smtClean="0"/>
+              <a:t>, Internet Explorer introduces  the</a:t>
+            </a:r>
+            <a:r>
+              <a:rPr lang="en-US" sz="1800" dirty="0"/>
+              <a:t> </a:t>
+            </a:r>
+            <a:r>
+              <a:rPr lang="en-US" sz="1800" dirty="0" err="1">
+                <a:hlinkClick r:id="rId3" tooltip="Iframe"/>
+              </a:rPr>
+              <a:t>iframe</a:t>
+            </a:r>
+            <a:r>
+              <a:rPr lang="en-US" sz="1800" dirty="0"/>
+              <a:t> tag </a:t>
+            </a:r>
+            <a:r>
+              <a:rPr lang="en-US" sz="1800" dirty="0" smtClean="0"/>
+              <a:t>what is able to load data in asynchronous way</a:t>
+            </a:r>
+            <a:r>
+              <a:rPr lang="et-EE" sz="1800" dirty="0" smtClean="0"/>
+              <a:t>.</a:t>
+            </a:r>
+            <a:endParaRPr lang="et-EE" sz="1800" dirty="0"/>
+          </a:p>
+          <a:p>
+            <a:pPr lvl="1" eaLnBrk="1" hangingPunct="1">
+              <a:buFont typeface="Wingdings" pitchFamily="2" charset="2"/>
+              <a:buChar char="§"/>
+            </a:pPr>
+            <a:r>
+              <a:rPr lang="en-US" sz="1800" dirty="0" smtClean="0"/>
+              <a:t>1999, evolution of idea into a new component</a:t>
+            </a:r>
+            <a:r>
+              <a:rPr lang="et-EE" sz="1800" dirty="0" smtClean="0"/>
+              <a:t> </a:t>
+            </a:r>
+            <a:r>
+              <a:rPr lang="et-EE" sz="1800" dirty="0"/>
+              <a:t>ActiveX </a:t>
+            </a:r>
+            <a:r>
+              <a:rPr lang="en-US" sz="1800" smtClean="0"/>
+              <a:t>named XMLHTTP</a:t>
+            </a:r>
+            <a:endParaRPr lang="et-EE" sz="1800" dirty="0"/>
+          </a:p>
+          <a:p>
+            <a:pPr lvl="1" eaLnBrk="1" hangingPunct="1">
+              <a:buFont typeface="Wingdings" pitchFamily="2" charset="2"/>
+              <a:buChar char="§"/>
+            </a:pPr>
+            <a:r>
+              <a:rPr lang="et-EE" altLang="en-US" sz="1800" dirty="0"/>
+              <a:t>Standardizzato come oggetto XmlHttpRequest in tutti i browser</a:t>
+            </a:r>
+          </a:p>
+          <a:p>
+            <a:pPr lvl="1" eaLnBrk="1" hangingPunct="1">
+              <a:buFont typeface="Wingdings" pitchFamily="2" charset="2"/>
+              <a:buChar char="§"/>
+            </a:pPr>
+            <a:r>
+              <a:rPr lang="et-EE" altLang="en-US" sz="1800" dirty="0"/>
+              <a:t>2005 termine AJAX menzionato in un articolo di Jesse James Garret</a:t>
+            </a:r>
+          </a:p>
+          <a:p>
+            <a:pPr marL="114300" indent="0">
+              <a:buNone/>
+            </a:pPr>
+            <a:endParaRPr lang="et-EE" altLang="en-US" sz="1600" dirty="0" smtClean="0"/>
+          </a:p>
+          <a:p>
+            <a:endParaRPr lang="et-EE" altLang="en-US" sz="1600" dirty="0" smtClean="0"/>
+          </a:p>
+          <a:p>
+            <a:pPr lvl="1">
+              <a:buFont typeface="Wingdings" pitchFamily="2" charset="2"/>
+              <a:buChar char="§"/>
+            </a:pPr>
+            <a:endParaRPr lang="et-EE" altLang="en-US" sz="1800" dirty="0" smtClean="0"/>
+          </a:p>
+          <a:p>
+            <a:pPr lvl="1">
+              <a:buFont typeface="Wingdings" pitchFamily="2" charset="2"/>
+              <a:buChar char="§"/>
+            </a:pPr>
+            <a:endParaRPr lang="et-EE" altLang="en-US" sz="1800" dirty="0" smtClean="0"/>
+          </a:p>
+          <a:p>
+            <a:pPr lvl="1">
+              <a:buFont typeface="Wingdings" pitchFamily="2" charset="2"/>
+              <a:buChar char="§"/>
+            </a:pPr>
+            <a:endParaRPr lang="it-IT" altLang="en-US" sz="1800" dirty="0" smtClean="0"/>
+          </a:p>
+        </p:txBody>
+      </p:sp>
     </p:spTree>
     <p:extLst>
       <p:ext uri="{BB962C8B-B14F-4D97-AF65-F5344CB8AC3E}">
-        <p14:creationId xmlns:p14="http://schemas.microsoft.com/office/powerpoint/2010/main" val="579950223"/>
+        <p14:creationId xmlns:p14="http://schemas.microsoft.com/office/powerpoint/2010/main" val="3839032023"/>
       </p:ext>
     </p:extLst>
   </p:cSld>
@@ -14641,17 +15168,22 @@
             <p:ph type="title"/>
           </p:nvPr>
         </p:nvSpPr>
-        <p:spPr/>
+        <p:spPr>
+          <a:xfrm>
+            <a:off x="971600" y="3867894"/>
+            <a:ext cx="5640900" cy="1082700"/>
+          </a:xfrm>
+        </p:spPr>
         <p:txBody>
           <a:bodyPr/>
           <a:lstStyle/>
           <a:p>
             <a:pPr eaLnBrk="1" hangingPunct="1"/>
             <a:r>
-              <a:rPr lang="et-EE" altLang="en-US" smtClean="0"/>
+              <a:rPr lang="et-EE" altLang="en-US" dirty="0" smtClean="0"/>
               <a:t>AJAX: XmlHttpRequest Object</a:t>
             </a:r>
-            <a:endParaRPr lang="it-IT" altLang="en-US" smtClean="0"/>
+            <a:endParaRPr lang="it-IT" altLang="en-US" dirty="0" smtClean="0"/>
           </a:p>
         </p:txBody>
       </p:sp>
@@ -14680,7 +15212,7 @@
               <a:buChar char="§"/>
             </a:pPr>
             <a:r>
-              <a:rPr lang="et-EE" altLang="en-US" sz="1800" smtClean="0"/>
+              <a:rPr lang="et-EE" altLang="en-US" sz="1800" dirty="0" smtClean="0"/>
               <a:t>Per larga parte degli anni 90 le pagine web dovevano essere completamente ricaricate ad ogni aggiornamento dei dati. </a:t>
             </a:r>
           </a:p>
@@ -14690,39 +15222,39 @@
               <a:buChar char="§"/>
             </a:pPr>
             <a:r>
-              <a:rPr lang="en-US" sz="1800" smtClean="0"/>
+              <a:rPr lang="en-US" sz="1800" dirty="0" smtClean="0"/>
               <a:t>1996, the </a:t>
             </a:r>
             <a:r>
-              <a:rPr lang="en-US" sz="1800" smtClean="0">
+              <a:rPr lang="en-US" sz="1800" dirty="0" err="1" smtClean="0">
                 <a:hlinkClick r:id="rId3" tooltip="Iframe"/>
               </a:rPr>
               <a:t>iframe</a:t>
             </a:r>
             <a:r>
-              <a:rPr lang="en-US" sz="1800" smtClean="0"/>
+              <a:rPr lang="en-US" sz="1800" dirty="0" smtClean="0"/>
               <a:t> tag </a:t>
             </a:r>
             <a:r>
-              <a:rPr lang="et-EE" sz="1800" smtClean="0"/>
+              <a:rPr lang="et-EE" sz="1800" dirty="0" smtClean="0"/>
               <a:t>introdotto da</a:t>
             </a:r>
             <a:r>
-              <a:rPr lang="en-US" sz="1800" smtClean="0"/>
+              <a:rPr lang="en-US" sz="1800" dirty="0" smtClean="0"/>
               <a:t> </a:t>
             </a:r>
             <a:r>
-              <a:rPr lang="en-US" sz="1800" smtClean="0">
+              <a:rPr lang="en-US" sz="1800" dirty="0" smtClean="0">
                 <a:hlinkClick r:id="rId4" tooltip="Internet Explorer"/>
               </a:rPr>
               <a:t>Internet Explorer</a:t>
             </a:r>
             <a:r>
-              <a:rPr lang="en-US" sz="1800" smtClean="0"/>
+              <a:rPr lang="en-US" sz="1800" dirty="0" smtClean="0"/>
               <a:t> </a:t>
             </a:r>
             <a:r>
-              <a:rPr lang="et-EE" sz="1800" smtClean="0"/>
+              <a:rPr lang="et-EE" sz="1800" dirty="0" smtClean="0"/>
               <a:t>per caricare contenuti in modo asincrono.</a:t>
             </a:r>
           </a:p>
@@ -14732,18 +15264,18 @@
               <a:buChar char="§"/>
             </a:pPr>
             <a:r>
-              <a:rPr lang="en-US" sz="1800" smtClean="0"/>
+              <a:rPr lang="en-US" sz="1800" dirty="0" smtClean="0"/>
               <a:t>1999</a:t>
             </a:r>
             <a:r>
-              <a:rPr lang="et-EE" sz="1800" smtClean="0"/>
+              <a:rPr lang="et-EE" sz="1800" dirty="0" smtClean="0"/>
               <a:t> evoluzione del componente in un ActiveX chiamato </a:t>
             </a:r>
             <a:r>
-              <a:rPr lang="en-US" sz="1800" smtClean="0"/>
+              <a:rPr lang="en-US" sz="1800" dirty="0" smtClean="0"/>
               <a:t>XMLHTTP</a:t>
             </a:r>
-            <a:endParaRPr lang="et-EE" sz="1800" smtClean="0"/>
+            <a:endParaRPr lang="et-EE" sz="1800" dirty="0" smtClean="0"/>
           </a:p>
           <a:p>
             <a:pPr lvl="1" eaLnBrk="1" hangingPunct="1">
@@ -14751,7 +15283,7 @@
               <a:buChar char="§"/>
             </a:pPr>
             <a:r>
-              <a:rPr lang="et-EE" altLang="en-US" sz="1800" smtClean="0"/>
+              <a:rPr lang="et-EE" altLang="en-US" sz="1800" dirty="0" smtClean="0"/>
               <a:t>Standardizzato come oggetto XmlHttpRequest in tutti i browser</a:t>
             </a:r>
           </a:p>
@@ -14761,7 +15293,7 @@
               <a:buChar char="§"/>
             </a:pPr>
             <a:r>
-              <a:rPr lang="et-EE" altLang="en-US" sz="1800" smtClean="0"/>
+              <a:rPr lang="et-EE" altLang="en-US" sz="1800" dirty="0" smtClean="0"/>
               <a:t>2005 termine AJAX menzionato in un articolo di Jesse James Garret</a:t>
             </a:r>
           </a:p>
@@ -14770,21 +15302,21 @@
               <a:buFont typeface="Wingdings" pitchFamily="2" charset="2"/>
               <a:buChar char="§"/>
             </a:pPr>
-            <a:endParaRPr lang="et-EE" altLang="en-US" sz="1800" smtClean="0"/>
+            <a:endParaRPr lang="et-EE" altLang="en-US" sz="1800" dirty="0" smtClean="0"/>
           </a:p>
           <a:p>
             <a:pPr lvl="1" eaLnBrk="1" hangingPunct="1">
               <a:buFont typeface="Wingdings" pitchFamily="2" charset="2"/>
               <a:buChar char="§"/>
             </a:pPr>
-            <a:endParaRPr lang="et-EE" altLang="en-US" sz="1800" smtClean="0"/>
+            <a:endParaRPr lang="et-EE" altLang="en-US" sz="1800" dirty="0" smtClean="0"/>
           </a:p>
           <a:p>
             <a:pPr lvl="1" eaLnBrk="1" hangingPunct="1">
               <a:buFont typeface="Wingdings" pitchFamily="2" charset="2"/>
               <a:buChar char="§"/>
             </a:pPr>
-            <a:endParaRPr lang="it-IT" altLang="en-US" sz="1800" smtClean="0"/>
+            <a:endParaRPr lang="it-IT" altLang="en-US" sz="1800" dirty="0" smtClean="0"/>
           </a:p>
         </p:txBody>
       </p:sp>
@@ -15417,8 +15949,8 @@
         </p:blipFill>
         <p:spPr bwMode="auto">
           <a:xfrm>
-            <a:off x="277814" y="816769"/>
-            <a:ext cx="8588375" cy="3509963"/>
+            <a:off x="4748194" y="2643758"/>
+            <a:ext cx="4117995" cy="1682974"/>
           </a:xfrm>
           <a:prstGeom prst="rect">
             <a:avLst/>
@@ -41896,7 +42428,7 @@
             </a:pPr>
             <a:r>
               <a:rPr lang="en-US" altLang="en-US" sz="1800" b="1" dirty="0" smtClean="0"/>
-              <a:t>Data handled entirely on the server</a:t>
+              <a:t>Data and UI are merged on the server</a:t>
             </a:r>
             <a:endParaRPr lang="et-EE" altLang="en-US" sz="1800" b="1" dirty="0" smtClean="0"/>
           </a:p>
@@ -41915,18 +42447,15 @@
             </a:r>
             <a:r>
               <a:rPr lang="en-US" altLang="en-US" sz="1800" b="1" dirty="0" smtClean="0"/>
-              <a:t>involves</a:t>
+              <a:t>to the server involves</a:t>
             </a:r>
-            <a:r>
-              <a:rPr lang="et-EE" altLang="en-US" sz="1800" b="1" dirty="0" smtClean="0"/>
-              <a:t> </a:t>
-            </a:r>
+            <a:endParaRPr lang="et-EE" altLang="en-US" sz="1800" b="1" dirty="0" smtClean="0"/>
           </a:p>
           <a:p>
             <a:pPr lvl="2"/>
             <a:r>
               <a:rPr lang="en-US" altLang="en-US" sz="1600" dirty="0" smtClean="0"/>
-              <a:t>Whole page is recalculated on server, and sent to replace previous one</a:t>
+              <a:t>Whole page is recalculated, delivered to client to replace previous one</a:t>
             </a:r>
             <a:r>
               <a:rPr lang="et-EE" altLang="en-US" sz="1600" dirty="0" smtClean="0"/>
